--- a/KAWO Presentation Overview .pptx
+++ b/KAWO Presentation Overview .pptx
@@ -2,18 +2,18 @@
 <file path=ppt/presentation.xml><?xml version="1.0" encoding="utf-8"?>
 <p:presentation xmlns:a="http://schemas.openxmlformats.org/drawingml/2006/main" xmlns:r="http://schemas.openxmlformats.org/officeDocument/2006/relationships" xmlns:p="http://schemas.openxmlformats.org/presentationml/2006/main">
   <p:sldMasterIdLst>
-    <p:sldMasterId id="2147483648" r:id="rId5"/>
+    <p:sldMasterId id="2147483648" r:id="rId1"/>
   </p:sldMasterIdLst>
   <p:notesMasterIdLst>
-    <p:notesMasterId r:id="rId7"/>
+    <p:notesMasterId r:id="rId8"/>
   </p:notesMasterIdLst>
   <p:sldIdLst>
-    <p:sldId id="256" r:id="rId8"/>
-    <p:sldId id="257" r:id="rId9"/>
-    <p:sldId id="258" r:id="rId10"/>
-    <p:sldId id="259" r:id="rId11"/>
-    <p:sldId id="260" r:id="rId12"/>
-    <p:sldId id="261" r:id="rId13"/>
+    <p:sldId id="256" r:id="rId2"/>
+    <p:sldId id="257" r:id="rId3"/>
+    <p:sldId id="258" r:id="rId4"/>
+    <p:sldId id="259" r:id="rId5"/>
+    <p:sldId id="260" r:id="rId6"/>
+    <p:sldId id="261" r:id="rId7"/>
   </p:sldIdLst>
   <p:sldSz cx="13004800" cy="9753600"/>
   <p:notesSz cx="6858000" cy="9144000"/>
@@ -94,13 +94,14 @@
 </p:presentation>
 </file>
 
-<file path=ppt/commentAuthors.xml><?xml version="1.0" encoding="utf-8"?>
-<p:cmAuthorLst xmlns:a="http://schemas.openxmlformats.org/drawingml/2006/main" xmlns:r="http://schemas.openxmlformats.org/officeDocument/2006/relationships" xmlns:p="http://schemas.openxmlformats.org/presentationml/2006/main"/>
-</file>
-
 <file path=ppt/notesMasters/notesMaster1.xml><?xml version="1.0" encoding="utf-8"?>
 <p:notesMaster xmlns:a="http://schemas.openxmlformats.org/drawingml/2006/main" xmlns:r="http://schemas.openxmlformats.org/officeDocument/2006/relationships" xmlns:p="http://schemas.openxmlformats.org/presentationml/2006/main">
   <p:cSld>
+    <p:bg>
+      <p:bgRef idx="1001">
+        <a:schemeClr val="bg1"/>
+      </p:bgRef>
+    </p:bg>
     <p:spTree>
       <p:nvGrpSpPr>
         <p:cNvPr id="1" name=""/>
@@ -118,7 +119,9 @@
       <p:sp>
         <p:nvSpPr>
           <p:cNvPr id="29" name="Shape 29"/>
-          <p:cNvSpPr/>
+          <p:cNvSpPr>
+            <a:spLocks noGrp="1" noRot="1" noChangeAspect="1"/>
+          </p:cNvSpPr>
           <p:nvPr>
             <p:ph type="sldImg"/>
           </p:nvPr>
@@ -137,13 +140,16 @@
           <a:lstStyle/>
           <a:p>
             <a:pPr lvl="0"/>
+            <a:endParaRPr/>
           </a:p>
         </p:txBody>
       </p:sp>
       <p:sp>
         <p:nvSpPr>
           <p:cNvPr id="30" name="Shape 30"/>
-          <p:cNvSpPr/>
+          <p:cNvSpPr>
+            <a:spLocks noGrp="1"/>
+          </p:cNvSpPr>
           <p:nvPr>
             <p:ph type="body" sz="quarter" idx="1"/>
           </p:nvPr>
@@ -162,10 +168,16 @@
           <a:lstStyle/>
           <a:p>
             <a:pPr lvl="0"/>
+            <a:endParaRPr/>
           </a:p>
         </p:txBody>
       </p:sp>
     </p:spTree>
+    <p:extLst>
+      <p:ext uri="{BB962C8B-B14F-4D97-AF65-F5344CB8AC3E}">
+        <p14:creationId xmlns:p14="http://schemas.microsoft.com/office/powerpoint/2010/main" val="3681308762"/>
+      </p:ext>
+    </p:extLst>
   </p:cSld>
   <p:clrMap bg1="lt1" tx1="dk1" bg2="lt2" tx2="dk2" accent1="accent1" accent2="accent2" accent3="accent3" accent4="accent4" accent5="accent5" accent6="accent6" hlink="hlink" folHlink="folHlink"/>
   <p:notesStyle>
@@ -273,7 +285,7 @@
 </file>
 
 <file path=ppt/slideLayouts/slideLayout1.xml><?xml version="1.0" encoding="utf-8"?>
-<p:sldLayout xmlns:a="http://schemas.openxmlformats.org/drawingml/2006/main" xmlns:r="http://schemas.openxmlformats.org/officeDocument/2006/relationships" xmlns:p="http://schemas.openxmlformats.org/presentationml/2006/main" type="tx" showMasterSp="1" showMasterPhAnim="1">
+<p:sldLayout xmlns:a="http://schemas.openxmlformats.org/drawingml/2006/main" xmlns:r="http://schemas.openxmlformats.org/officeDocument/2006/relationships" xmlns:p="http://schemas.openxmlformats.org/presentationml/2006/main" type="tx">
   <p:cSld name="Title &amp; Subtitle">
     <p:spTree>
       <p:nvGrpSpPr>
@@ -292,7 +304,9 @@
       <p:sp>
         <p:nvSpPr>
           <p:cNvPr id="5" name="Shape 5"/>
-          <p:cNvSpPr/>
+          <p:cNvSpPr>
+            <a:spLocks noGrp="1"/>
+          </p:cNvSpPr>
           <p:nvPr>
             <p:ph type="title"/>
           </p:nvPr>
@@ -323,7 +337,9 @@
       <p:sp>
         <p:nvSpPr>
           <p:cNvPr id="6" name="Shape 6"/>
-          <p:cNvSpPr/>
+          <p:cNvSpPr>
+            <a:spLocks noGrp="1"/>
+          </p:cNvSpPr>
           <p:nvPr>
             <p:ph type="body" idx="1"/>
           </p:nvPr>
@@ -389,7 +405,6 @@
               <a:rPr sz="3200"/>
               <a:t>Body Level One</a:t>
             </a:r>
-            <a:endParaRPr sz="3200"/>
           </a:p>
           <a:p>
             <a:pPr lvl="1">
@@ -399,7 +414,6 @@
               <a:rPr sz="3200"/>
               <a:t>Body Level Two</a:t>
             </a:r>
-            <a:endParaRPr sz="3200"/>
           </a:p>
           <a:p>
             <a:pPr lvl="2">
@@ -409,7 +423,6 @@
               <a:rPr sz="3200"/>
               <a:t>Body Level Three</a:t>
             </a:r>
-            <a:endParaRPr sz="3200"/>
           </a:p>
           <a:p>
             <a:pPr lvl="3">
@@ -419,7 +432,6 @@
               <a:rPr sz="3200"/>
               <a:t>Body Level Four</a:t>
             </a:r>
-            <a:endParaRPr sz="3200"/>
           </a:p>
           <a:p>
             <a:pPr lvl="4">
@@ -437,12 +449,12 @@
   <p:clrMapOvr>
     <a:masterClrMapping/>
   </p:clrMapOvr>
-  <p:transition spd="med" advClick="1"/>
+  <p:transition xmlns:p14="http://schemas.microsoft.com/office/powerpoint/2010/main" spd="med"/>
 </p:sldLayout>
 </file>
 
 <file path=ppt/slideLayouts/slideLayout10.xml><?xml version="1.0" encoding="utf-8"?>
-<p:sldLayout xmlns:a="http://schemas.openxmlformats.org/drawingml/2006/main" xmlns:r="http://schemas.openxmlformats.org/officeDocument/2006/relationships" xmlns:p="http://schemas.openxmlformats.org/presentationml/2006/main" type="tx" showMasterSp="1" showMasterPhAnim="1">
+<p:sldLayout xmlns:a="http://schemas.openxmlformats.org/drawingml/2006/main" xmlns:r="http://schemas.openxmlformats.org/officeDocument/2006/relationships" xmlns:p="http://schemas.openxmlformats.org/presentationml/2006/main" type="tx">
   <p:cSld name="Quote">
     <p:spTree>
       <p:nvGrpSpPr>
@@ -463,12 +475,12 @@
   <p:clrMapOvr>
     <a:masterClrMapping/>
   </p:clrMapOvr>
-  <p:transition spd="med" advClick="1"/>
+  <p:transition xmlns:p14="http://schemas.microsoft.com/office/powerpoint/2010/main" spd="med"/>
 </p:sldLayout>
 </file>
 
 <file path=ppt/slideLayouts/slideLayout11.xml><?xml version="1.0" encoding="utf-8"?>
-<p:sldLayout xmlns:a="http://schemas.openxmlformats.org/drawingml/2006/main" xmlns:r="http://schemas.openxmlformats.org/officeDocument/2006/relationships" xmlns:p="http://schemas.openxmlformats.org/presentationml/2006/main" type="tx" showMasterSp="1" showMasterPhAnim="1">
+<p:sldLayout xmlns:a="http://schemas.openxmlformats.org/drawingml/2006/main" xmlns:r="http://schemas.openxmlformats.org/officeDocument/2006/relationships" xmlns:p="http://schemas.openxmlformats.org/presentationml/2006/main" type="tx">
   <p:cSld name="Photo">
     <p:spTree>
       <p:nvGrpSpPr>
@@ -489,12 +501,12 @@
   <p:clrMapOvr>
     <a:masterClrMapping/>
   </p:clrMapOvr>
-  <p:transition spd="med" advClick="1"/>
+  <p:transition xmlns:p14="http://schemas.microsoft.com/office/powerpoint/2010/main" spd="med"/>
 </p:sldLayout>
 </file>
 
 <file path=ppt/slideLayouts/slideLayout12.xml><?xml version="1.0" encoding="utf-8"?>
-<p:sldLayout xmlns:a="http://schemas.openxmlformats.org/drawingml/2006/main" xmlns:r="http://schemas.openxmlformats.org/officeDocument/2006/relationships" xmlns:p="http://schemas.openxmlformats.org/presentationml/2006/main" type="tx" showMasterSp="1" showMasterPhAnim="1">
+<p:sldLayout xmlns:a="http://schemas.openxmlformats.org/drawingml/2006/main" xmlns:r="http://schemas.openxmlformats.org/officeDocument/2006/relationships" xmlns:p="http://schemas.openxmlformats.org/presentationml/2006/main" type="tx">
   <p:cSld name="Blank">
     <p:spTree>
       <p:nvGrpSpPr>
@@ -515,12 +527,12 @@
   <p:clrMapOvr>
     <a:masterClrMapping/>
   </p:clrMapOvr>
-  <p:transition spd="med" advClick="1"/>
+  <p:transition xmlns:p14="http://schemas.microsoft.com/office/powerpoint/2010/main" spd="med"/>
 </p:sldLayout>
 </file>
 
 <file path=ppt/slideLayouts/slideLayout2.xml><?xml version="1.0" encoding="utf-8"?>
-<p:sldLayout xmlns:a="http://schemas.openxmlformats.org/drawingml/2006/main" xmlns:r="http://schemas.openxmlformats.org/officeDocument/2006/relationships" xmlns:p="http://schemas.openxmlformats.org/presentationml/2006/main" type="tx" showMasterSp="1" showMasterPhAnim="1">
+<p:sldLayout xmlns:a="http://schemas.openxmlformats.org/drawingml/2006/main" xmlns:r="http://schemas.openxmlformats.org/officeDocument/2006/relationships" xmlns:p="http://schemas.openxmlformats.org/presentationml/2006/main" type="tx">
   <p:cSld name="Photo - Horizontal">
     <p:spTree>
       <p:nvGrpSpPr>
@@ -539,7 +551,9 @@
       <p:sp>
         <p:nvSpPr>
           <p:cNvPr id="8" name="Shape 8"/>
-          <p:cNvSpPr/>
+          <p:cNvSpPr>
+            <a:spLocks noGrp="1"/>
+          </p:cNvSpPr>
           <p:nvPr>
             <p:ph type="title"/>
           </p:nvPr>
@@ -570,7 +584,9 @@
       <p:sp>
         <p:nvSpPr>
           <p:cNvPr id="9" name="Shape 9"/>
-          <p:cNvSpPr/>
+          <p:cNvSpPr>
+            <a:spLocks noGrp="1"/>
+          </p:cNvSpPr>
           <p:nvPr>
             <p:ph type="body" idx="1"/>
           </p:nvPr>
@@ -636,7 +652,6 @@
               <a:rPr sz="3200"/>
               <a:t>Body Level One</a:t>
             </a:r>
-            <a:endParaRPr sz="3200"/>
           </a:p>
           <a:p>
             <a:pPr lvl="1">
@@ -646,7 +661,6 @@
               <a:rPr sz="3200"/>
               <a:t>Body Level Two</a:t>
             </a:r>
-            <a:endParaRPr sz="3200"/>
           </a:p>
           <a:p>
             <a:pPr lvl="2">
@@ -656,7 +670,6 @@
               <a:rPr sz="3200"/>
               <a:t>Body Level Three</a:t>
             </a:r>
-            <a:endParaRPr sz="3200"/>
           </a:p>
           <a:p>
             <a:pPr lvl="3">
@@ -666,7 +679,6 @@
               <a:rPr sz="3200"/>
               <a:t>Body Level Four</a:t>
             </a:r>
-            <a:endParaRPr sz="3200"/>
           </a:p>
           <a:p>
             <a:pPr lvl="4">
@@ -684,12 +696,12 @@
   <p:clrMapOvr>
     <a:masterClrMapping/>
   </p:clrMapOvr>
-  <p:transition spd="med" advClick="1"/>
+  <p:transition xmlns:p14="http://schemas.microsoft.com/office/powerpoint/2010/main" spd="med"/>
 </p:sldLayout>
 </file>
 
 <file path=ppt/slideLayouts/slideLayout3.xml><?xml version="1.0" encoding="utf-8"?>
-<p:sldLayout xmlns:a="http://schemas.openxmlformats.org/drawingml/2006/main" xmlns:r="http://schemas.openxmlformats.org/officeDocument/2006/relationships" xmlns:p="http://schemas.openxmlformats.org/presentationml/2006/main" type="tx" showMasterSp="1" showMasterPhAnim="1">
+<p:sldLayout xmlns:a="http://schemas.openxmlformats.org/drawingml/2006/main" xmlns:r="http://schemas.openxmlformats.org/officeDocument/2006/relationships" xmlns:p="http://schemas.openxmlformats.org/presentationml/2006/main" type="tx">
   <p:cSld name="Title - Center">
     <p:spTree>
       <p:nvGrpSpPr>
@@ -708,7 +720,9 @@
       <p:sp>
         <p:nvSpPr>
           <p:cNvPr id="11" name="Shape 11"/>
-          <p:cNvSpPr/>
+          <p:cNvSpPr>
+            <a:spLocks noGrp="1"/>
+          </p:cNvSpPr>
           <p:nvPr>
             <p:ph type="title"/>
           </p:nvPr>
@@ -741,12 +755,12 @@
   <p:clrMapOvr>
     <a:masterClrMapping/>
   </p:clrMapOvr>
-  <p:transition spd="med" advClick="1"/>
+  <p:transition xmlns:p14="http://schemas.microsoft.com/office/powerpoint/2010/main" spd="med"/>
 </p:sldLayout>
 </file>
 
 <file path=ppt/slideLayouts/slideLayout4.xml><?xml version="1.0" encoding="utf-8"?>
-<p:sldLayout xmlns:a="http://schemas.openxmlformats.org/drawingml/2006/main" xmlns:r="http://schemas.openxmlformats.org/officeDocument/2006/relationships" xmlns:p="http://schemas.openxmlformats.org/presentationml/2006/main" type="tx" showMasterSp="1" showMasterPhAnim="1">
+<p:sldLayout xmlns:a="http://schemas.openxmlformats.org/drawingml/2006/main" xmlns:r="http://schemas.openxmlformats.org/officeDocument/2006/relationships" xmlns:p="http://schemas.openxmlformats.org/presentationml/2006/main" type="tx">
   <p:cSld name="Photo - Vertical">
     <p:spTree>
       <p:nvGrpSpPr>
@@ -765,7 +779,9 @@
       <p:sp>
         <p:nvSpPr>
           <p:cNvPr id="13" name="Shape 13"/>
-          <p:cNvSpPr/>
+          <p:cNvSpPr>
+            <a:spLocks noGrp="1"/>
+          </p:cNvSpPr>
           <p:nvPr>
             <p:ph type="title"/>
           </p:nvPr>
@@ -800,7 +816,9 @@
       <p:sp>
         <p:nvSpPr>
           <p:cNvPr id="14" name="Shape 14"/>
-          <p:cNvSpPr/>
+          <p:cNvSpPr>
+            <a:spLocks noGrp="1"/>
+          </p:cNvSpPr>
           <p:nvPr>
             <p:ph type="body" idx="1"/>
           </p:nvPr>
@@ -866,7 +884,6 @@
               <a:rPr sz="3200"/>
               <a:t>Body Level One</a:t>
             </a:r>
-            <a:endParaRPr sz="3200"/>
           </a:p>
           <a:p>
             <a:pPr lvl="1">
@@ -876,7 +893,6 @@
               <a:rPr sz="3200"/>
               <a:t>Body Level Two</a:t>
             </a:r>
-            <a:endParaRPr sz="3200"/>
           </a:p>
           <a:p>
             <a:pPr lvl="2">
@@ -886,7 +902,6 @@
               <a:rPr sz="3200"/>
               <a:t>Body Level Three</a:t>
             </a:r>
-            <a:endParaRPr sz="3200"/>
           </a:p>
           <a:p>
             <a:pPr lvl="3">
@@ -896,7 +911,6 @@
               <a:rPr sz="3200"/>
               <a:t>Body Level Four</a:t>
             </a:r>
-            <a:endParaRPr sz="3200"/>
           </a:p>
           <a:p>
             <a:pPr lvl="4">
@@ -914,12 +928,12 @@
   <p:clrMapOvr>
     <a:masterClrMapping/>
   </p:clrMapOvr>
-  <p:transition spd="med" advClick="1"/>
+  <p:transition xmlns:p14="http://schemas.microsoft.com/office/powerpoint/2010/main" spd="med"/>
 </p:sldLayout>
 </file>
 
 <file path=ppt/slideLayouts/slideLayout5.xml><?xml version="1.0" encoding="utf-8"?>
-<p:sldLayout xmlns:a="http://schemas.openxmlformats.org/drawingml/2006/main" xmlns:r="http://schemas.openxmlformats.org/officeDocument/2006/relationships" xmlns:p="http://schemas.openxmlformats.org/presentationml/2006/main" type="tx" showMasterSp="1" showMasterPhAnim="1">
+<p:sldLayout xmlns:a="http://schemas.openxmlformats.org/drawingml/2006/main" xmlns:r="http://schemas.openxmlformats.org/officeDocument/2006/relationships" xmlns:p="http://schemas.openxmlformats.org/presentationml/2006/main" type="tx">
   <p:cSld name="Title - Top">
     <p:spTree>
       <p:nvGrpSpPr>
@@ -938,7 +952,9 @@
       <p:sp>
         <p:nvSpPr>
           <p:cNvPr id="16" name="Shape 16"/>
-          <p:cNvSpPr/>
+          <p:cNvSpPr>
+            <a:spLocks noGrp="1"/>
+          </p:cNvSpPr>
           <p:nvPr>
             <p:ph type="title"/>
           </p:nvPr>
@@ -967,12 +983,12 @@
   <p:clrMapOvr>
     <a:masterClrMapping/>
   </p:clrMapOvr>
-  <p:transition spd="med" advClick="1"/>
+  <p:transition xmlns:p14="http://schemas.microsoft.com/office/powerpoint/2010/main" spd="med"/>
 </p:sldLayout>
 </file>
 
 <file path=ppt/slideLayouts/slideLayout6.xml><?xml version="1.0" encoding="utf-8"?>
-<p:sldLayout xmlns:a="http://schemas.openxmlformats.org/drawingml/2006/main" xmlns:r="http://schemas.openxmlformats.org/officeDocument/2006/relationships" xmlns:p="http://schemas.openxmlformats.org/presentationml/2006/main" type="tx" showMasterSp="1" showMasterPhAnim="1">
+<p:sldLayout xmlns:a="http://schemas.openxmlformats.org/drawingml/2006/main" xmlns:r="http://schemas.openxmlformats.org/officeDocument/2006/relationships" xmlns:p="http://schemas.openxmlformats.org/presentationml/2006/main" type="tx">
   <p:cSld name="Title &amp; Bullets">
     <p:spTree>
       <p:nvGrpSpPr>
@@ -991,7 +1007,9 @@
       <p:sp>
         <p:nvSpPr>
           <p:cNvPr id="18" name="Shape 18"/>
-          <p:cNvSpPr/>
+          <p:cNvSpPr>
+            <a:spLocks noGrp="1"/>
+          </p:cNvSpPr>
           <p:nvPr>
             <p:ph type="title"/>
           </p:nvPr>
@@ -1018,7 +1036,9 @@
       <p:sp>
         <p:nvSpPr>
           <p:cNvPr id="19" name="Shape 19"/>
-          <p:cNvSpPr/>
+          <p:cNvSpPr>
+            <a:spLocks noGrp="1"/>
+          </p:cNvSpPr>
           <p:nvPr>
             <p:ph type="body" idx="1"/>
           </p:nvPr>
@@ -1039,7 +1059,6 @@
               <a:rPr sz="3600"/>
               <a:t>Body Level One</a:t>
             </a:r>
-            <a:endParaRPr sz="3600"/>
           </a:p>
           <a:p>
             <a:pPr lvl="1">
@@ -1049,7 +1068,6 @@
               <a:rPr sz="3600"/>
               <a:t>Body Level Two</a:t>
             </a:r>
-            <a:endParaRPr sz="3600"/>
           </a:p>
           <a:p>
             <a:pPr lvl="2">
@@ -1059,7 +1077,6 @@
               <a:rPr sz="3600"/>
               <a:t>Body Level Three</a:t>
             </a:r>
-            <a:endParaRPr sz="3600"/>
           </a:p>
           <a:p>
             <a:pPr lvl="3">
@@ -1069,7 +1086,6 @@
               <a:rPr sz="3600"/>
               <a:t>Body Level Four</a:t>
             </a:r>
-            <a:endParaRPr sz="3600"/>
           </a:p>
           <a:p>
             <a:pPr lvl="4">
@@ -1087,12 +1103,12 @@
   <p:clrMapOvr>
     <a:masterClrMapping/>
   </p:clrMapOvr>
-  <p:transition spd="med" advClick="1"/>
+  <p:transition xmlns:p14="http://schemas.microsoft.com/office/powerpoint/2010/main" spd="med"/>
 </p:sldLayout>
 </file>
 
 <file path=ppt/slideLayouts/slideLayout7.xml><?xml version="1.0" encoding="utf-8"?>
-<p:sldLayout xmlns:a="http://schemas.openxmlformats.org/drawingml/2006/main" xmlns:r="http://schemas.openxmlformats.org/officeDocument/2006/relationships" xmlns:p="http://schemas.openxmlformats.org/presentationml/2006/main" type="tx" showMasterSp="1" showMasterPhAnim="1">
+<p:sldLayout xmlns:a="http://schemas.openxmlformats.org/drawingml/2006/main" xmlns:r="http://schemas.openxmlformats.org/officeDocument/2006/relationships" xmlns:p="http://schemas.openxmlformats.org/presentationml/2006/main" type="tx">
   <p:cSld name="Title, Bullets &amp; Photo">
     <p:spTree>
       <p:nvGrpSpPr>
@@ -1111,7 +1127,9 @@
       <p:sp>
         <p:nvSpPr>
           <p:cNvPr id="21" name="Shape 21"/>
-          <p:cNvSpPr/>
+          <p:cNvSpPr>
+            <a:spLocks noGrp="1"/>
+          </p:cNvSpPr>
           <p:nvPr>
             <p:ph type="title"/>
           </p:nvPr>
@@ -1138,7 +1156,9 @@
       <p:sp>
         <p:nvSpPr>
           <p:cNvPr id="22" name="Shape 22"/>
-          <p:cNvSpPr/>
+          <p:cNvSpPr>
+            <a:spLocks noGrp="1"/>
+          </p:cNvSpPr>
           <p:nvPr>
             <p:ph type="body" idx="1"/>
           </p:nvPr>
@@ -1194,7 +1214,6 @@
               <a:rPr sz="2800"/>
               <a:t>Body Level One</a:t>
             </a:r>
-            <a:endParaRPr sz="2800"/>
           </a:p>
           <a:p>
             <a:pPr lvl="1">
@@ -1204,7 +1223,6 @@
               <a:rPr sz="2800"/>
               <a:t>Body Level Two</a:t>
             </a:r>
-            <a:endParaRPr sz="2800"/>
           </a:p>
           <a:p>
             <a:pPr lvl="2">
@@ -1214,7 +1232,6 @@
               <a:rPr sz="2800"/>
               <a:t>Body Level Three</a:t>
             </a:r>
-            <a:endParaRPr sz="2800"/>
           </a:p>
           <a:p>
             <a:pPr lvl="3">
@@ -1224,7 +1241,6 @@
               <a:rPr sz="2800"/>
               <a:t>Body Level Four</a:t>
             </a:r>
-            <a:endParaRPr sz="2800"/>
           </a:p>
           <a:p>
             <a:pPr lvl="4">
@@ -1242,12 +1258,12 @@
   <p:clrMapOvr>
     <a:masterClrMapping/>
   </p:clrMapOvr>
-  <p:transition spd="med" advClick="1"/>
+  <p:transition xmlns:p14="http://schemas.microsoft.com/office/powerpoint/2010/main" spd="med"/>
 </p:sldLayout>
 </file>
 
 <file path=ppt/slideLayouts/slideLayout8.xml><?xml version="1.0" encoding="utf-8"?>
-<p:sldLayout xmlns:a="http://schemas.openxmlformats.org/drawingml/2006/main" xmlns:r="http://schemas.openxmlformats.org/officeDocument/2006/relationships" xmlns:p="http://schemas.openxmlformats.org/presentationml/2006/main" type="tx" showMasterSp="1" showMasterPhAnim="1">
+<p:sldLayout xmlns:a="http://schemas.openxmlformats.org/drawingml/2006/main" xmlns:r="http://schemas.openxmlformats.org/officeDocument/2006/relationships" xmlns:p="http://schemas.openxmlformats.org/presentationml/2006/main" type="tx">
   <p:cSld name="Bullets">
     <p:spTree>
       <p:nvGrpSpPr>
@@ -1266,7 +1282,9 @@
       <p:sp>
         <p:nvSpPr>
           <p:cNvPr id="24" name="Shape 24"/>
-          <p:cNvSpPr/>
+          <p:cNvSpPr>
+            <a:spLocks noGrp="1"/>
+          </p:cNvSpPr>
           <p:nvPr>
             <p:ph type="body" idx="1"/>
           </p:nvPr>
@@ -1291,7 +1309,6 @@
               <a:rPr sz="3600"/>
               <a:t>Body Level One</a:t>
             </a:r>
-            <a:endParaRPr sz="3600"/>
           </a:p>
           <a:p>
             <a:pPr lvl="1">
@@ -1301,7 +1318,6 @@
               <a:rPr sz="3600"/>
               <a:t>Body Level Two</a:t>
             </a:r>
-            <a:endParaRPr sz="3600"/>
           </a:p>
           <a:p>
             <a:pPr lvl="2">
@@ -1311,7 +1327,6 @@
               <a:rPr sz="3600"/>
               <a:t>Body Level Three</a:t>
             </a:r>
-            <a:endParaRPr sz="3600"/>
           </a:p>
           <a:p>
             <a:pPr lvl="3">
@@ -1321,7 +1336,6 @@
               <a:rPr sz="3600"/>
               <a:t>Body Level Four</a:t>
             </a:r>
-            <a:endParaRPr sz="3600"/>
           </a:p>
           <a:p>
             <a:pPr lvl="4">
@@ -1339,12 +1353,12 @@
   <p:clrMapOvr>
     <a:masterClrMapping/>
   </p:clrMapOvr>
-  <p:transition spd="med" advClick="1"/>
+  <p:transition xmlns:p14="http://schemas.microsoft.com/office/powerpoint/2010/main" spd="med"/>
 </p:sldLayout>
 </file>
 
 <file path=ppt/slideLayouts/slideLayout9.xml><?xml version="1.0" encoding="utf-8"?>
-<p:sldLayout xmlns:a="http://schemas.openxmlformats.org/drawingml/2006/main" xmlns:r="http://schemas.openxmlformats.org/officeDocument/2006/relationships" xmlns:p="http://schemas.openxmlformats.org/presentationml/2006/main" type="tx" showMasterSp="1" showMasterPhAnim="1">
+<p:sldLayout xmlns:a="http://schemas.openxmlformats.org/drawingml/2006/main" xmlns:r="http://schemas.openxmlformats.org/officeDocument/2006/relationships" xmlns:p="http://schemas.openxmlformats.org/presentationml/2006/main" type="tx">
   <p:cSld name="Photo - 3 Up">
     <p:spTree>
       <p:nvGrpSpPr>
@@ -1365,7 +1379,7 @@
   <p:clrMapOvr>
     <a:masterClrMapping/>
   </p:clrMapOvr>
-  <p:transition spd="med" advClick="1"/>
+  <p:transition xmlns:p14="http://schemas.microsoft.com/office/powerpoint/2010/main" spd="med"/>
 </p:sldLayout>
 </file>
 
@@ -1377,6 +1391,7 @@
         <a:solidFill>
           <a:srgbClr val="FFFFFF"/>
         </a:solidFill>
+        <a:effectLst/>
       </p:bgPr>
     </p:bg>
     <p:spTree>
@@ -1396,7 +1411,9 @@
       <p:sp>
         <p:nvSpPr>
           <p:cNvPr id="2" name="Shape 2"/>
-          <p:cNvSpPr/>
+          <p:cNvSpPr>
+            <a:spLocks noGrp="1"/>
+          </p:cNvSpPr>
           <p:nvPr>
             <p:ph type="title"/>
           </p:nvPr>
@@ -1420,7 +1437,7 @@
         </p:spPr>
         <p:txBody>
           <a:bodyPr lIns="0" tIns="0" rIns="0" bIns="0" anchor="ctr">
-            <a:normAutofit fontScale="100000" lnSpcReduction="0"/>
+            <a:normAutofit/>
           </a:bodyPr>
           <a:lstStyle/>
           <a:p>
@@ -1437,7 +1454,9 @@
       <p:sp>
         <p:nvSpPr>
           <p:cNvPr id="3" name="Shape 3"/>
-          <p:cNvSpPr/>
+          <p:cNvSpPr>
+            <a:spLocks noGrp="1"/>
+          </p:cNvSpPr>
           <p:nvPr>
             <p:ph type="body" idx="1"/>
           </p:nvPr>
@@ -1461,7 +1480,7 @@
         </p:spPr>
         <p:txBody>
           <a:bodyPr lIns="0" tIns="0" rIns="0" bIns="0" anchor="ctr">
-            <a:normAutofit fontScale="100000" lnSpcReduction="0"/>
+            <a:normAutofit/>
           </a:bodyPr>
           <a:lstStyle/>
           <a:p>
@@ -1472,7 +1491,6 @@
               <a:rPr sz="3600"/>
               <a:t>Body Level One</a:t>
             </a:r>
-            <a:endParaRPr sz="3600"/>
           </a:p>
           <a:p>
             <a:pPr lvl="1">
@@ -1482,7 +1500,6 @@
               <a:rPr sz="3600"/>
               <a:t>Body Level Two</a:t>
             </a:r>
-            <a:endParaRPr sz="3600"/>
           </a:p>
           <a:p>
             <a:pPr lvl="2">
@@ -1492,7 +1509,6 @@
               <a:rPr sz="3600"/>
               <a:t>Body Level Three</a:t>
             </a:r>
-            <a:endParaRPr sz="3600"/>
           </a:p>
           <a:p>
             <a:pPr lvl="3">
@@ -1502,7 +1518,6 @@
               <a:rPr sz="3600"/>
               <a:t>Body Level Four</a:t>
             </a:r>
-            <a:endParaRPr sz="3600"/>
           </a:p>
           <a:p>
             <a:pPr lvl="4">
@@ -1519,20 +1534,20 @@
   </p:cSld>
   <p:clrMap bg1="lt1" tx1="dk1" bg2="lt2" tx2="dk2" accent1="accent1" accent2="accent2" accent3="accent3" accent4="accent4" accent5="accent5" accent6="accent6" hlink="hlink" folHlink="folHlink"/>
   <p:sldLayoutIdLst>
-    <p:sldLayoutId id="2147483649" r:id="rId2"/>
-    <p:sldLayoutId id="2147483650" r:id="rId3"/>
-    <p:sldLayoutId id="2147483651" r:id="rId4"/>
-    <p:sldLayoutId id="2147483652" r:id="rId5"/>
-    <p:sldLayoutId id="2147483653" r:id="rId6"/>
-    <p:sldLayoutId id="2147483654" r:id="rId7"/>
-    <p:sldLayoutId id="2147483655" r:id="rId8"/>
-    <p:sldLayoutId id="2147483656" r:id="rId9"/>
-    <p:sldLayoutId id="2147483657" r:id="rId10"/>
-    <p:sldLayoutId id="2147483658" r:id="rId11"/>
-    <p:sldLayoutId id="2147483659" r:id="rId12"/>
-    <p:sldLayoutId id="2147483660" r:id="rId13"/>
+    <p:sldLayoutId id="2147483649" r:id="rId1"/>
+    <p:sldLayoutId id="2147483650" r:id="rId2"/>
+    <p:sldLayoutId id="2147483651" r:id="rId3"/>
+    <p:sldLayoutId id="2147483652" r:id="rId4"/>
+    <p:sldLayoutId id="2147483653" r:id="rId5"/>
+    <p:sldLayoutId id="2147483654" r:id="rId6"/>
+    <p:sldLayoutId id="2147483655" r:id="rId7"/>
+    <p:sldLayoutId id="2147483656" r:id="rId8"/>
+    <p:sldLayoutId id="2147483657" r:id="rId9"/>
+    <p:sldLayoutId id="2147483658" r:id="rId10"/>
+    <p:sldLayoutId id="2147483659" r:id="rId11"/>
+    <p:sldLayoutId id="2147483660" r:id="rId12"/>
   </p:sldLayoutIdLst>
-  <p:transition spd="med" advClick="1"/>
+  <p:transition xmlns:p14="http://schemas.microsoft.com/office/powerpoint/2010/main" spd="med"/>
   <p:txStyles>
     <p:titleStyle>
       <a:lvl1pPr algn="ctr" defTabSz="584200">
@@ -1833,7 +1848,7 @@
 </file>
 
 <file path=ppt/slides/slide1.xml><?xml version="1.0" encoding="utf-8"?>
-<p:sld xmlns:a="http://schemas.openxmlformats.org/drawingml/2006/main" xmlns:r="http://schemas.openxmlformats.org/officeDocument/2006/relationships" xmlns:p="http://schemas.openxmlformats.org/presentationml/2006/main" showMasterSp="1" showMasterPhAnim="1">
+<p:sld xmlns:a="http://schemas.openxmlformats.org/drawingml/2006/main" xmlns:r="http://schemas.openxmlformats.org/officeDocument/2006/relationships" xmlns:p="http://schemas.openxmlformats.org/presentationml/2006/main">
   <p:cSld>
     <p:spTree>
       <p:nvGrpSpPr>
@@ -1870,7 +1885,7 @@
             <a:miter lim="400000"/>
           </a:ln>
           <a:effectLst>
-            <a:outerShdw sx="100000" sy="100000" kx="0" ky="0" algn="b" rotWithShape="0" blurRad="38100" dist="25400" dir="5400000">
+            <a:outerShdw blurRad="38100" dist="25400" dir="5400000" rotWithShape="0">
               <a:srgbClr val="000000">
                 <a:alpha val="50000"/>
               </a:srgbClr>
@@ -1888,6 +1903,7 @@
                 </a:solidFill>
               </a:defRPr>
             </a:pPr>
+            <a:endParaRPr/>
           </a:p>
         </p:txBody>
       </p:sp>
@@ -1954,8 +1970,8 @@
         </p:nvSpPr>
         <p:spPr>
           <a:xfrm>
-            <a:off x="4298999" y="2787650"/>
-            <a:ext cx="4406802" cy="647701"/>
+            <a:off x="4155271" y="2783206"/>
+            <a:ext cx="4694259" cy="656590"/>
           </a:xfrm>
           <a:prstGeom prst="rect">
             <a:avLst/>
@@ -1984,19 +2000,59 @@
           </a:lstStyle>
           <a:p>
             <a:pPr lvl="0">
-              <a:defRPr b="0" sz="1800">
+              <a:defRPr sz="1800" b="0">
                 <a:solidFill>
                   <a:srgbClr val="000000"/>
                 </a:solidFill>
               </a:defRPr>
             </a:pPr>
             <a:r>
-              <a:rPr b="1" sz="3600">
+              <a:rPr sz="3600" b="1" dirty="0" smtClean="0">
                 <a:solidFill>
                   <a:srgbClr val="FFFFFF"/>
                 </a:solidFill>
               </a:rPr>
-              <a:t>YOUR IN CONTROL</a:t>
+              <a:t>YOU</a:t>
+            </a:r>
+            <a:r>
+              <a:rPr lang="en-US" sz="3600" b="1" dirty="0" smtClean="0">
+                <a:solidFill>
+                  <a:srgbClr val="FFFFFF"/>
+                </a:solidFill>
+              </a:rPr>
+              <a:t>'</a:t>
+            </a:r>
+            <a:r>
+              <a:rPr sz="3600" b="1" dirty="0" smtClean="0">
+                <a:solidFill>
+                  <a:srgbClr val="FFFFFF"/>
+                </a:solidFill>
+              </a:rPr>
+              <a:t>R</a:t>
+            </a:r>
+            <a:r>
+              <a:rPr lang="en-US" sz="3600" b="1" dirty="0" smtClean="0">
+                <a:solidFill>
+                  <a:srgbClr val="FFFFFF"/>
+                </a:solidFill>
+              </a:rPr>
+              <a:t>E</a:t>
+            </a:r>
+            <a:r>
+              <a:rPr sz="3600" b="1" dirty="0" smtClean="0">
+                <a:solidFill>
+                  <a:srgbClr val="FFFFFF"/>
+                </a:solidFill>
+              </a:rPr>
+              <a:t> IN </a:t>
+            </a:r>
+            <a:r>
+              <a:rPr sz="3600" b="1" dirty="0">
+                <a:solidFill>
+                  <a:srgbClr val="FFFFFF"/>
+                </a:solidFill>
+              </a:rPr>
+              <a:t>CONTROL</a:t>
             </a:r>
           </a:p>
         </p:txBody>
@@ -2061,12 +2117,12 @@
   <p:clrMapOvr>
     <a:masterClrMapping/>
   </p:clrMapOvr>
-  <p:transition spd="med" advClick="1"/>
+  <p:transition xmlns:p14="http://schemas.microsoft.com/office/powerpoint/2010/main" spd="med"/>
 </p:sld>
 </file>
 
 <file path=ppt/slides/slide2.xml><?xml version="1.0" encoding="utf-8"?>
-<p:sld xmlns:a="http://schemas.openxmlformats.org/drawingml/2006/main" xmlns:r="http://schemas.openxmlformats.org/officeDocument/2006/relationships" xmlns:p="http://schemas.openxmlformats.org/presentationml/2006/main" showMasterSp="1" showMasterPhAnim="1">
+<p:sld xmlns:a="http://schemas.openxmlformats.org/drawingml/2006/main" xmlns:r="http://schemas.openxmlformats.org/officeDocument/2006/relationships" xmlns:p="http://schemas.openxmlformats.org/presentationml/2006/main">
   <p:cSld>
     <p:spTree>
       <p:nvGrpSpPr>
@@ -2103,7 +2159,7 @@
             <a:miter lim="400000"/>
           </a:ln>
           <a:effectLst>
-            <a:outerShdw sx="100000" sy="100000" kx="0" ky="0" algn="b" rotWithShape="0" blurRad="38100" dist="25400" dir="5400000">
+            <a:outerShdw blurRad="38100" dist="25400" dir="5400000" rotWithShape="0">
               <a:srgbClr val="000000">
                 <a:alpha val="50000"/>
               </a:srgbClr>
@@ -2121,6 +2177,7 @@
                 </a:solidFill>
               </a:defRPr>
             </a:pPr>
+            <a:endParaRPr/>
           </a:p>
         </p:txBody>
       </p:sp>
@@ -2217,14 +2274,14 @@
           </a:lstStyle>
           <a:p>
             <a:pPr lvl="0">
-              <a:defRPr b="0" sz="1800">
+              <a:defRPr sz="1800" b="0">
                 <a:solidFill>
                   <a:srgbClr val="000000"/>
                 </a:solidFill>
               </a:defRPr>
             </a:pPr>
             <a:r>
-              <a:rPr b="1" sz="3600">
+              <a:rPr sz="3600" b="1">
                 <a:solidFill>
                   <a:srgbClr val="FFFFFF"/>
                 </a:solidFill>
@@ -2244,7 +2301,7 @@
           <a:blip r:embed="rId2">
             <a:extLst/>
           </a:blip>
-          <a:srcRect l="0" t="0" r="0" b="35978"/>
+          <a:srcRect b="35978"/>
           <a:stretch>
             <a:fillRect/>
           </a:stretch>
@@ -2267,12 +2324,12 @@
   <p:clrMapOvr>
     <a:masterClrMapping/>
   </p:clrMapOvr>
-  <p:transition spd="med" advClick="1"/>
+  <p:transition xmlns:p14="http://schemas.microsoft.com/office/powerpoint/2010/main" spd="med"/>
 </p:sld>
 </file>
 
 <file path=ppt/slides/slide3.xml><?xml version="1.0" encoding="utf-8"?>
-<p:sld xmlns:a="http://schemas.openxmlformats.org/drawingml/2006/main" xmlns:r="http://schemas.openxmlformats.org/officeDocument/2006/relationships" xmlns:p="http://schemas.openxmlformats.org/presentationml/2006/main" showMasterSp="1" showMasterPhAnim="1">
+<p:sld xmlns:a="http://schemas.openxmlformats.org/drawingml/2006/main" xmlns:r="http://schemas.openxmlformats.org/officeDocument/2006/relationships" xmlns:p="http://schemas.openxmlformats.org/presentationml/2006/main">
   <p:cSld>
     <p:spTree>
       <p:nvGrpSpPr>
@@ -2309,7 +2366,7 @@
             <a:miter lim="400000"/>
           </a:ln>
           <a:effectLst>
-            <a:outerShdw sx="100000" sy="100000" kx="0" ky="0" algn="b" rotWithShape="0" blurRad="38100" dist="25400" dir="5400000">
+            <a:outerShdw blurRad="38100" dist="25400" dir="5400000" rotWithShape="0">
               <a:srgbClr val="000000">
                 <a:alpha val="50000"/>
               </a:srgbClr>
@@ -2327,6 +2384,7 @@
                 </a:solidFill>
               </a:defRPr>
             </a:pPr>
+            <a:endParaRPr/>
           </a:p>
         </p:txBody>
       </p:sp>
@@ -2423,14 +2481,14 @@
           </a:lstStyle>
           <a:p>
             <a:pPr lvl="0">
-              <a:defRPr b="0" sz="1800">
+              <a:defRPr sz="1800" b="0">
                 <a:solidFill>
                   <a:srgbClr val="000000"/>
                 </a:solidFill>
               </a:defRPr>
             </a:pPr>
             <a:r>
-              <a:rPr b="1" sz="3600">
+              <a:rPr sz="3600" b="1">
                 <a:solidFill>
                   <a:srgbClr val="FFFFFF"/>
                 </a:solidFill>
@@ -2472,12 +2530,12 @@
   <p:clrMapOvr>
     <a:masterClrMapping/>
   </p:clrMapOvr>
-  <p:transition spd="med" advClick="1"/>
+  <p:transition xmlns:p14="http://schemas.microsoft.com/office/powerpoint/2010/main" spd="med"/>
 </p:sld>
 </file>
 
 <file path=ppt/slides/slide4.xml><?xml version="1.0" encoding="utf-8"?>
-<p:sld xmlns:a="http://schemas.openxmlformats.org/drawingml/2006/main" xmlns:r="http://schemas.openxmlformats.org/officeDocument/2006/relationships" xmlns:p="http://schemas.openxmlformats.org/presentationml/2006/main" showMasterSp="1" showMasterPhAnim="1">
+<p:sld xmlns:a="http://schemas.openxmlformats.org/drawingml/2006/main" xmlns:r="http://schemas.openxmlformats.org/officeDocument/2006/relationships" xmlns:p="http://schemas.openxmlformats.org/presentationml/2006/main">
   <p:cSld>
     <p:spTree>
       <p:nvGrpSpPr>
@@ -2514,7 +2572,7 @@
             <a:miter lim="400000"/>
           </a:ln>
           <a:effectLst>
-            <a:outerShdw sx="100000" sy="100000" kx="0" ky="0" algn="b" rotWithShape="0" blurRad="38100" dist="25400" dir="5400000">
+            <a:outerShdw blurRad="38100" dist="25400" dir="5400000" rotWithShape="0">
               <a:srgbClr val="000000">
                 <a:alpha val="50000"/>
               </a:srgbClr>
@@ -2532,6 +2590,7 @@
                 </a:solidFill>
               </a:defRPr>
             </a:pPr>
+            <a:endParaRPr/>
           </a:p>
         </p:txBody>
       </p:sp>
@@ -2628,14 +2687,14 @@
           </a:lstStyle>
           <a:p>
             <a:pPr lvl="0">
-              <a:defRPr b="0" sz="1800">
+              <a:defRPr sz="1800" b="0">
                 <a:solidFill>
                   <a:srgbClr val="000000"/>
                 </a:solidFill>
               </a:defRPr>
             </a:pPr>
             <a:r>
-              <a:rPr b="1" sz="3600">
+              <a:rPr sz="3600" b="1">
                 <a:solidFill>
                   <a:srgbClr val="FFFFFF"/>
                 </a:solidFill>
@@ -2655,7 +2714,7 @@
           <a:blip r:embed="rId2">
             <a:extLst/>
           </a:blip>
-          <a:srcRect l="367" t="0" r="0" b="13994"/>
+          <a:srcRect l="367" b="13994"/>
           <a:stretch>
             <a:fillRect/>
           </a:stretch>
@@ -2678,12 +2737,12 @@
   <p:clrMapOvr>
     <a:masterClrMapping/>
   </p:clrMapOvr>
-  <p:transition spd="med" advClick="1"/>
+  <p:transition xmlns:p14="http://schemas.microsoft.com/office/powerpoint/2010/main" spd="med"/>
 </p:sld>
 </file>
 
 <file path=ppt/slides/slide5.xml><?xml version="1.0" encoding="utf-8"?>
-<p:sld xmlns:a="http://schemas.openxmlformats.org/drawingml/2006/main" xmlns:r="http://schemas.openxmlformats.org/officeDocument/2006/relationships" xmlns:p="http://schemas.openxmlformats.org/presentationml/2006/main" showMasterSp="1" showMasterPhAnim="1">
+<p:sld xmlns:a="http://schemas.openxmlformats.org/drawingml/2006/main" xmlns:r="http://schemas.openxmlformats.org/officeDocument/2006/relationships" xmlns:p="http://schemas.openxmlformats.org/presentationml/2006/main">
   <p:cSld>
     <p:spTree>
       <p:nvGrpSpPr>
@@ -2720,7 +2779,7 @@
             <a:miter lim="400000"/>
           </a:ln>
           <a:effectLst>
-            <a:outerShdw sx="100000" sy="100000" kx="0" ky="0" algn="b" rotWithShape="0" blurRad="38100" dist="25400" dir="5400000">
+            <a:outerShdw blurRad="38100" dist="25400" dir="5400000" rotWithShape="0">
               <a:srgbClr val="000000">
                 <a:alpha val="50000"/>
               </a:srgbClr>
@@ -2738,6 +2797,7 @@
                 </a:solidFill>
               </a:defRPr>
             </a:pPr>
+            <a:endParaRPr/>
           </a:p>
         </p:txBody>
       </p:sp>
@@ -2834,14 +2894,14 @@
           </a:lstStyle>
           <a:p>
             <a:pPr lvl="0">
-              <a:defRPr b="0" sz="1800">
+              <a:defRPr sz="1800" b="0">
                 <a:solidFill>
                   <a:srgbClr val="000000"/>
                 </a:solidFill>
               </a:defRPr>
             </a:pPr>
             <a:r>
-              <a:rPr b="1" sz="3600">
+              <a:rPr sz="3600" b="1">
                 <a:solidFill>
                   <a:srgbClr val="FFFFFF"/>
                 </a:solidFill>
@@ -2883,12 +2943,12 @@
   <p:clrMapOvr>
     <a:masterClrMapping/>
   </p:clrMapOvr>
-  <p:transition spd="med" advClick="1"/>
+  <p:transition xmlns:p14="http://schemas.microsoft.com/office/powerpoint/2010/main" spd="med"/>
 </p:sld>
 </file>
 
 <file path=ppt/slides/slide6.xml><?xml version="1.0" encoding="utf-8"?>
-<p:sld xmlns:a="http://schemas.openxmlformats.org/drawingml/2006/main" xmlns:r="http://schemas.openxmlformats.org/officeDocument/2006/relationships" xmlns:p="http://schemas.openxmlformats.org/presentationml/2006/main" showMasterSp="1" showMasterPhAnim="1">
+<p:sld xmlns:a="http://schemas.openxmlformats.org/drawingml/2006/main" xmlns:r="http://schemas.openxmlformats.org/officeDocument/2006/relationships" xmlns:p="http://schemas.openxmlformats.org/presentationml/2006/main">
   <p:cSld>
     <p:spTree>
       <p:nvGrpSpPr>
@@ -2925,7 +2985,7 @@
             <a:miter lim="400000"/>
           </a:ln>
           <a:effectLst>
-            <a:outerShdw sx="100000" sy="100000" kx="0" ky="0" algn="b" rotWithShape="0" blurRad="38100" dist="25400" dir="5400000">
+            <a:outerShdw blurRad="38100" dist="25400" dir="5400000" rotWithShape="0">
               <a:srgbClr val="000000">
                 <a:alpha val="50000"/>
               </a:srgbClr>
@@ -2943,6 +3003,7 @@
                 </a:solidFill>
               </a:defRPr>
             </a:pPr>
+            <a:endParaRPr/>
           </a:p>
         </p:txBody>
       </p:sp>
@@ -3039,14 +3100,14 @@
           </a:lstStyle>
           <a:p>
             <a:pPr lvl="0">
-              <a:defRPr b="0" sz="1800">
+              <a:defRPr sz="1800" b="0">
                 <a:solidFill>
                   <a:srgbClr val="000000"/>
                 </a:solidFill>
               </a:defRPr>
             </a:pPr>
             <a:r>
-              <a:rPr b="1" sz="3600">
+              <a:rPr sz="3600" b="1">
                 <a:solidFill>
                   <a:srgbClr val="FFFFFF"/>
                 </a:solidFill>
@@ -3116,12 +3177,12 @@
   <p:clrMapOvr>
     <a:masterClrMapping/>
   </p:clrMapOvr>
-  <p:transition spd="med" advClick="1"/>
+  <p:transition xmlns:p14="http://schemas.microsoft.com/office/powerpoint/2010/main" spd="med"/>
 </p:sld>
 </file>
 
 <file path=ppt/theme/theme1.xml><?xml version="1.0" encoding="utf-8"?>
-<a:theme xmlns:a="http://schemas.openxmlformats.org/drawingml/2006/main" xmlns:r="http://schemas.openxmlformats.org/officeDocument/2006/relationships" name="White">
+<a:theme xmlns:a="http://schemas.openxmlformats.org/drawingml/2006/main" name="White">
   <a:themeElements>
     <a:clrScheme name="White">
       <a:dk1>
@@ -3247,7 +3308,7 @@
       <a:effectStyleLst>
         <a:effectStyle>
           <a:effectLst>
-            <a:outerShdw sx="100000" sy="100000" kx="0" ky="0" algn="b" rotWithShape="0" blurRad="38100" dist="25400" dir="5400000">
+            <a:outerShdw blurRad="38100" dist="25400" dir="5400000" rotWithShape="0">
               <a:srgbClr val="000000">
                 <a:alpha val="50000"/>
               </a:srgbClr>
@@ -3256,7 +3317,7 @@
         </a:effectStyle>
         <a:effectStyle>
           <a:effectLst>
-            <a:outerShdw sx="100000" sy="100000" kx="0" ky="0" algn="b" rotWithShape="0" blurRad="50800" dist="12700" dir="0">
+            <a:outerShdw blurRad="50800" dist="12700" rotWithShape="0">
               <a:srgbClr val="000000">
                 <a:alpha val="50000"/>
               </a:srgbClr>
@@ -3265,7 +3326,7 @@
         </a:effectStyle>
         <a:effectStyle>
           <a:effectLst>
-            <a:outerShdw sx="100000" sy="100000" kx="0" ky="0" algn="b" rotWithShape="0" blurRad="38100" dist="25400" dir="5400000">
+            <a:outerShdw blurRad="38100" dist="25400" dir="5400000" rotWithShape="0">
               <a:srgbClr val="000000">
                 <a:alpha val="50000"/>
               </a:srgbClr>
@@ -3329,8 +3390,8 @@
     <a:spDef>
       <a:spPr>
         <a:blipFill rotWithShape="1">
-          <a:blip r:embed="rId1"/>
-          <a:srcRect l="0" t="0" r="0" b="0"/>
+          <a:blip xmlns:r="http://schemas.openxmlformats.org/officeDocument/2006/relationships" r:embed="rId1"/>
+          <a:srcRect/>
           <a:tile tx="0" ty="0" sx="100000" sy="100000" flip="none" algn="tl"/>
         </a:blipFill>
         <a:ln w="12700" cap="flat">
@@ -3338,14 +3399,14 @@
           <a:miter lim="400000"/>
         </a:ln>
         <a:effectLst>
-          <a:outerShdw sx="100000" sy="100000" kx="0" ky="0" algn="b" rotWithShape="0" blurRad="38100" dist="25400" dir="5400000">
+          <a:outerShdw blurRad="38100" dist="25400" dir="5400000" rotWithShape="0">
             <a:srgbClr val="000000">
               <a:alpha val="50000"/>
             </a:srgbClr>
           </a:outerShdw>
         </a:effectLst>
       </a:spPr>
-      <a:bodyPr rot="0" spcFirstLastPara="1" vertOverflow="overflow" horzOverflow="overflow" vert="horz" wrap="square" lIns="50800" tIns="50800" rIns="50800" bIns="50800" numCol="1" spcCol="38100" rtlCol="0" anchor="ctr" upright="0">
+      <a:bodyPr rot="0" spcFirstLastPara="1" vertOverflow="overflow" horzOverflow="overflow" vert="horz" wrap="square" lIns="50800" tIns="50800" rIns="50800" bIns="50800" numCol="1" spcCol="38100" rtlCol="0" anchor="ctr">
         <a:spAutoFit/>
       </a:bodyPr>
       <a:lstStyle>
@@ -3364,7 +3425,7 @@
           <a:buFontTx/>
           <a:buNone/>
           <a:tabLst/>
-          <a:defRPr b="0" baseline="0" cap="none" i="0" spc="0" strike="noStrike" sz="2400" u="none" kumimoji="0" normalizeH="0">
+          <a:defRPr kumimoji="0" sz="2400" b="0" i="0" u="none" strike="noStrike" cap="none" spc="0" normalizeH="0" baseline="0">
             <a:ln>
               <a:noFill/>
             </a:ln>
@@ -3394,7 +3455,7 @@
           <a:buFontTx/>
           <a:buNone/>
           <a:tabLst/>
-          <a:defRPr b="0" baseline="0" cap="none" i="0" spc="0" strike="noStrike" sz="1800" u="none" kumimoji="0" normalizeH="0">
+          <a:defRPr kumimoji="0" sz="1800" b="0" i="0" u="none" strike="noStrike" cap="none" spc="0" normalizeH="0" baseline="0">
             <a:ln>
               <a:noFill/>
             </a:ln>
@@ -3420,7 +3481,7 @@
           <a:buFontTx/>
           <a:buNone/>
           <a:tabLst/>
-          <a:defRPr b="0" baseline="0" cap="none" i="0" spc="0" strike="noStrike" sz="1800" u="none" kumimoji="0" normalizeH="0">
+          <a:defRPr kumimoji="0" sz="1800" b="0" i="0" u="none" strike="noStrike" cap="none" spc="0" normalizeH="0" baseline="0">
             <a:ln>
               <a:noFill/>
             </a:ln>
@@ -3446,7 +3507,7 @@
           <a:buFontTx/>
           <a:buNone/>
           <a:tabLst/>
-          <a:defRPr b="0" baseline="0" cap="none" i="0" spc="0" strike="noStrike" sz="1800" u="none" kumimoji="0" normalizeH="0">
+          <a:defRPr kumimoji="0" sz="1800" b="0" i="0" u="none" strike="noStrike" cap="none" spc="0" normalizeH="0" baseline="0">
             <a:ln>
               <a:noFill/>
             </a:ln>
@@ -3472,7 +3533,7 @@
           <a:buFontTx/>
           <a:buNone/>
           <a:tabLst/>
-          <a:defRPr b="0" baseline="0" cap="none" i="0" spc="0" strike="noStrike" sz="1800" u="none" kumimoji="0" normalizeH="0">
+          <a:defRPr kumimoji="0" sz="1800" b="0" i="0" u="none" strike="noStrike" cap="none" spc="0" normalizeH="0" baseline="0">
             <a:ln>
               <a:noFill/>
             </a:ln>
@@ -3498,7 +3559,7 @@
           <a:buFontTx/>
           <a:buNone/>
           <a:tabLst/>
-          <a:defRPr b="0" baseline="0" cap="none" i="0" spc="0" strike="noStrike" sz="1800" u="none" kumimoji="0" normalizeH="0">
+          <a:defRPr kumimoji="0" sz="1800" b="0" i="0" u="none" strike="noStrike" cap="none" spc="0" normalizeH="0" baseline="0">
             <a:ln>
               <a:noFill/>
             </a:ln>
@@ -3524,7 +3585,7 @@
           <a:buFontTx/>
           <a:buNone/>
           <a:tabLst/>
-          <a:defRPr b="0" baseline="0" cap="none" i="0" spc="0" strike="noStrike" sz="1800" u="none" kumimoji="0" normalizeH="0">
+          <a:defRPr kumimoji="0" sz="1800" b="0" i="0" u="none" strike="noStrike" cap="none" spc="0" normalizeH="0" baseline="0">
             <a:ln>
               <a:noFill/>
             </a:ln>
@@ -3550,7 +3611,7 @@
           <a:buFontTx/>
           <a:buNone/>
           <a:tabLst/>
-          <a:defRPr b="0" baseline="0" cap="none" i="0" spc="0" strike="noStrike" sz="1800" u="none" kumimoji="0" normalizeH="0">
+          <a:defRPr kumimoji="0" sz="1800" b="0" i="0" u="none" strike="noStrike" cap="none" spc="0" normalizeH="0" baseline="0">
             <a:ln>
               <a:noFill/>
             </a:ln>
@@ -3576,7 +3637,7 @@
           <a:buFontTx/>
           <a:buNone/>
           <a:tabLst/>
-          <a:defRPr b="0" baseline="0" cap="none" i="0" spc="0" strike="noStrike" sz="1800" u="none" kumimoji="0" normalizeH="0">
+          <a:defRPr kumimoji="0" sz="1800" b="0" i="0" u="none" strike="noStrike" cap="none" spc="0" normalizeH="0" baseline="0">
             <a:ln>
               <a:noFill/>
             </a:ln>
@@ -3602,7 +3663,7 @@
           <a:buFontTx/>
           <a:buNone/>
           <a:tabLst/>
-          <a:defRPr b="0" baseline="0" cap="none" i="0" spc="0" strike="noStrike" sz="1800" u="none" kumimoji="0" normalizeH="0">
+          <a:defRPr kumimoji="0" sz="1800" b="0" i="0" u="none" strike="noStrike" cap="none" spc="0" normalizeH="0" baseline="0">
             <a:ln>
               <a:noFill/>
             </a:ln>
@@ -3615,9 +3676,15 @@
         </a:lvl9pPr>
       </a:lstStyle>
       <a:style>
-        <a:lnRef idx="0"/>
-        <a:fillRef idx="0"/>
-        <a:effectRef idx="0"/>
+        <a:lnRef idx="0">
+          <a:scrgbClr r="0" g="0" b="0"/>
+        </a:lnRef>
+        <a:fillRef idx="0">
+          <a:scrgbClr r="0" g="0" b="0"/>
+        </a:fillRef>
+        <a:effectRef idx="0">
+          <a:scrgbClr r="0" g="0" b="0"/>
+        </a:effectRef>
         <a:fontRef idx="none"/>
       </a:style>
     </a:spDef>
@@ -3633,7 +3700,7 @@
         </a:ln>
         <a:effectLst/>
       </a:spPr>
-      <a:bodyPr rot="0" spcFirstLastPara="1" vertOverflow="overflow" horzOverflow="overflow" vert="horz" wrap="square" lIns="91439" tIns="45719" rIns="91439" bIns="45719" numCol="1" spcCol="38100" rtlCol="0" anchor="t" upright="0">
+      <a:bodyPr rot="0" spcFirstLastPara="1" vertOverflow="overflow" horzOverflow="overflow" vert="horz" wrap="square" lIns="91439" tIns="45719" rIns="91439" bIns="45719" numCol="1" spcCol="38100" rtlCol="0" anchor="t">
         <a:noAutofit/>
       </a:bodyPr>
       <a:lstStyle>
@@ -3652,7 +3719,7 @@
           <a:buFontTx/>
           <a:buNone/>
           <a:tabLst/>
-          <a:defRPr b="0" baseline="0" cap="none" i="0" spc="0" strike="noStrike" sz="1800" u="none" kumimoji="0" normalizeH="0">
+          <a:defRPr kumimoji="0" sz="1800" b="0" i="0" u="none" strike="noStrike" cap="none" spc="0" normalizeH="0" baseline="0">
             <a:ln>
               <a:noFill/>
             </a:ln>
@@ -3678,7 +3745,7 @@
           <a:buFontTx/>
           <a:buNone/>
           <a:tabLst/>
-          <a:defRPr b="0" baseline="0" cap="none" i="0" spc="0" strike="noStrike" sz="1800" u="none" kumimoji="0" normalizeH="0">
+          <a:defRPr kumimoji="0" sz="1800" b="0" i="0" u="none" strike="noStrike" cap="none" spc="0" normalizeH="0" baseline="0">
             <a:ln>
               <a:noFill/>
             </a:ln>
@@ -3704,7 +3771,7 @@
           <a:buFontTx/>
           <a:buNone/>
           <a:tabLst/>
-          <a:defRPr b="0" baseline="0" cap="none" i="0" spc="0" strike="noStrike" sz="1800" u="none" kumimoji="0" normalizeH="0">
+          <a:defRPr kumimoji="0" sz="1800" b="0" i="0" u="none" strike="noStrike" cap="none" spc="0" normalizeH="0" baseline="0">
             <a:ln>
               <a:noFill/>
             </a:ln>
@@ -3730,7 +3797,7 @@
           <a:buFontTx/>
           <a:buNone/>
           <a:tabLst/>
-          <a:defRPr b="0" baseline="0" cap="none" i="0" spc="0" strike="noStrike" sz="1800" u="none" kumimoji="0" normalizeH="0">
+          <a:defRPr kumimoji="0" sz="1800" b="0" i="0" u="none" strike="noStrike" cap="none" spc="0" normalizeH="0" baseline="0">
             <a:ln>
               <a:noFill/>
             </a:ln>
@@ -3756,7 +3823,7 @@
           <a:buFontTx/>
           <a:buNone/>
           <a:tabLst/>
-          <a:defRPr b="0" baseline="0" cap="none" i="0" spc="0" strike="noStrike" sz="1800" u="none" kumimoji="0" normalizeH="0">
+          <a:defRPr kumimoji="0" sz="1800" b="0" i="0" u="none" strike="noStrike" cap="none" spc="0" normalizeH="0" baseline="0">
             <a:ln>
               <a:noFill/>
             </a:ln>
@@ -3782,7 +3849,7 @@
           <a:buFontTx/>
           <a:buNone/>
           <a:tabLst/>
-          <a:defRPr b="0" baseline="0" cap="none" i="0" spc="0" strike="noStrike" sz="1800" u="none" kumimoji="0" normalizeH="0">
+          <a:defRPr kumimoji="0" sz="1800" b="0" i="0" u="none" strike="noStrike" cap="none" spc="0" normalizeH="0" baseline="0">
             <a:ln>
               <a:noFill/>
             </a:ln>
@@ -3808,7 +3875,7 @@
           <a:buFontTx/>
           <a:buNone/>
           <a:tabLst/>
-          <a:defRPr b="0" baseline="0" cap="none" i="0" spc="0" strike="noStrike" sz="1800" u="none" kumimoji="0" normalizeH="0">
+          <a:defRPr kumimoji="0" sz="1800" b="0" i="0" u="none" strike="noStrike" cap="none" spc="0" normalizeH="0" baseline="0">
             <a:ln>
               <a:noFill/>
             </a:ln>
@@ -3834,7 +3901,7 @@
           <a:buFontTx/>
           <a:buNone/>
           <a:tabLst/>
-          <a:defRPr b="0" baseline="0" cap="none" i="0" spc="0" strike="noStrike" sz="1800" u="none" kumimoji="0" normalizeH="0">
+          <a:defRPr kumimoji="0" sz="1800" b="0" i="0" u="none" strike="noStrike" cap="none" spc="0" normalizeH="0" baseline="0">
             <a:ln>
               <a:noFill/>
             </a:ln>
@@ -3860,7 +3927,7 @@
           <a:buFontTx/>
           <a:buNone/>
           <a:tabLst/>
-          <a:defRPr b="0" baseline="0" cap="none" i="0" spc="0" strike="noStrike" sz="1800" u="none" kumimoji="0" normalizeH="0">
+          <a:defRPr kumimoji="0" sz="1800" b="0" i="0" u="none" strike="noStrike" cap="none" spc="0" normalizeH="0" baseline="0">
             <a:ln>
               <a:noFill/>
             </a:ln>
@@ -3886,7 +3953,7 @@
           <a:buFontTx/>
           <a:buNone/>
           <a:tabLst/>
-          <a:defRPr b="0" baseline="0" cap="none" i="0" spc="0" strike="noStrike" sz="1800" u="none" kumimoji="0" normalizeH="0">
+          <a:defRPr kumimoji="0" sz="1800" b="0" i="0" u="none" strike="noStrike" cap="none" spc="0" normalizeH="0" baseline="0">
             <a:ln>
               <a:noFill/>
             </a:ln>
@@ -3899,9 +3966,15 @@
         </a:lvl9pPr>
       </a:lstStyle>
       <a:style>
-        <a:lnRef idx="0"/>
-        <a:fillRef idx="0"/>
-        <a:effectRef idx="0"/>
+        <a:lnRef idx="0">
+          <a:scrgbClr r="0" g="0" b="0"/>
+        </a:lnRef>
+        <a:fillRef idx="0">
+          <a:scrgbClr r="0" g="0" b="0"/>
+        </a:fillRef>
+        <a:effectRef idx="0">
+          <a:scrgbClr r="0" g="0" b="0"/>
+        </a:effectRef>
         <a:fontRef idx="none"/>
       </a:style>
     </a:lnDef>
@@ -3914,7 +3987,7 @@
         </a:ln>
         <a:effectLst/>
       </a:spPr>
-      <a:bodyPr rot="0" spcFirstLastPara="1" vertOverflow="overflow" horzOverflow="overflow" vert="horz" wrap="square" lIns="50800" tIns="50800" rIns="50800" bIns="50800" numCol="1" spcCol="38100" rtlCol="0" anchor="ctr" upright="0">
+      <a:bodyPr rot="0" spcFirstLastPara="1" vertOverflow="overflow" horzOverflow="overflow" vert="horz" wrap="square" lIns="50800" tIns="50800" rIns="50800" bIns="50800" numCol="1" spcCol="38100" rtlCol="0" anchor="ctr">
         <a:spAutoFit/>
       </a:bodyPr>
       <a:lstStyle>
@@ -3933,7 +4006,7 @@
           <a:buFontTx/>
           <a:buNone/>
           <a:tabLst/>
-          <a:defRPr b="0" baseline="0" cap="none" i="0" spc="0" strike="noStrike" sz="3600" u="none" kumimoji="0" normalizeH="0">
+          <a:defRPr kumimoji="0" sz="3600" b="0" i="0" u="none" strike="noStrike" cap="none" spc="0" normalizeH="0" baseline="0">
             <a:ln>
               <a:noFill/>
             </a:ln>
@@ -3963,7 +4036,7 @@
           <a:buFontTx/>
           <a:buNone/>
           <a:tabLst/>
-          <a:defRPr b="0" baseline="0" cap="none" i="0" spc="0" strike="noStrike" sz="1800" u="none" kumimoji="0" normalizeH="0">
+          <a:defRPr kumimoji="0" sz="1800" b="0" i="0" u="none" strike="noStrike" cap="none" spc="0" normalizeH="0" baseline="0">
             <a:ln>
               <a:noFill/>
             </a:ln>
@@ -3989,7 +4062,7 @@
           <a:buFontTx/>
           <a:buNone/>
           <a:tabLst/>
-          <a:defRPr b="0" baseline="0" cap="none" i="0" spc="0" strike="noStrike" sz="1800" u="none" kumimoji="0" normalizeH="0">
+          <a:defRPr kumimoji="0" sz="1800" b="0" i="0" u="none" strike="noStrike" cap="none" spc="0" normalizeH="0" baseline="0">
             <a:ln>
               <a:noFill/>
             </a:ln>
@@ -4015,7 +4088,7 @@
           <a:buFontTx/>
           <a:buNone/>
           <a:tabLst/>
-          <a:defRPr b="0" baseline="0" cap="none" i="0" spc="0" strike="noStrike" sz="1800" u="none" kumimoji="0" normalizeH="0">
+          <a:defRPr kumimoji="0" sz="1800" b="0" i="0" u="none" strike="noStrike" cap="none" spc="0" normalizeH="0" baseline="0">
             <a:ln>
               <a:noFill/>
             </a:ln>
@@ -4041,7 +4114,7 @@
           <a:buFontTx/>
           <a:buNone/>
           <a:tabLst/>
-          <a:defRPr b="0" baseline="0" cap="none" i="0" spc="0" strike="noStrike" sz="1800" u="none" kumimoji="0" normalizeH="0">
+          <a:defRPr kumimoji="0" sz="1800" b="0" i="0" u="none" strike="noStrike" cap="none" spc="0" normalizeH="0" baseline="0">
             <a:ln>
               <a:noFill/>
             </a:ln>
@@ -4067,7 +4140,7 @@
           <a:buFontTx/>
           <a:buNone/>
           <a:tabLst/>
-          <a:defRPr b="0" baseline="0" cap="none" i="0" spc="0" strike="noStrike" sz="1800" u="none" kumimoji="0" normalizeH="0">
+          <a:defRPr kumimoji="0" sz="1800" b="0" i="0" u="none" strike="noStrike" cap="none" spc="0" normalizeH="0" baseline="0">
             <a:ln>
               <a:noFill/>
             </a:ln>
@@ -4093,7 +4166,7 @@
           <a:buFontTx/>
           <a:buNone/>
           <a:tabLst/>
-          <a:defRPr b="0" baseline="0" cap="none" i="0" spc="0" strike="noStrike" sz="1800" u="none" kumimoji="0" normalizeH="0">
+          <a:defRPr kumimoji="0" sz="1800" b="0" i="0" u="none" strike="noStrike" cap="none" spc="0" normalizeH="0" baseline="0">
             <a:ln>
               <a:noFill/>
             </a:ln>
@@ -4119,7 +4192,7 @@
           <a:buFontTx/>
           <a:buNone/>
           <a:tabLst/>
-          <a:defRPr b="0" baseline="0" cap="none" i="0" spc="0" strike="noStrike" sz="1800" u="none" kumimoji="0" normalizeH="0">
+          <a:defRPr kumimoji="0" sz="1800" b="0" i="0" u="none" strike="noStrike" cap="none" spc="0" normalizeH="0" baseline="0">
             <a:ln>
               <a:noFill/>
             </a:ln>
@@ -4145,7 +4218,7 @@
           <a:buFontTx/>
           <a:buNone/>
           <a:tabLst/>
-          <a:defRPr b="0" baseline="0" cap="none" i="0" spc="0" strike="noStrike" sz="1800" u="none" kumimoji="0" normalizeH="0">
+          <a:defRPr kumimoji="0" sz="1800" b="0" i="0" u="none" strike="noStrike" cap="none" spc="0" normalizeH="0" baseline="0">
             <a:ln>
               <a:noFill/>
             </a:ln>
@@ -4171,7 +4244,7 @@
           <a:buFontTx/>
           <a:buNone/>
           <a:tabLst/>
-          <a:defRPr b="0" baseline="0" cap="none" i="0" spc="0" strike="noStrike" sz="1800" u="none" kumimoji="0" normalizeH="0">
+          <a:defRPr kumimoji="0" sz="1800" b="0" i="0" u="none" strike="noStrike" cap="none" spc="0" normalizeH="0" baseline="0">
             <a:ln>
               <a:noFill/>
             </a:ln>
@@ -4184,18 +4257,25 @@
         </a:lvl9pPr>
       </a:lstStyle>
       <a:style>
-        <a:lnRef idx="0"/>
-        <a:fillRef idx="0"/>
-        <a:effectRef idx="0"/>
+        <a:lnRef idx="0">
+          <a:scrgbClr r="0" g="0" b="0"/>
+        </a:lnRef>
+        <a:fillRef idx="0">
+          <a:scrgbClr r="0" g="0" b="0"/>
+        </a:fillRef>
+        <a:effectRef idx="0">
+          <a:scrgbClr r="0" g="0" b="0"/>
+        </a:effectRef>
         <a:fontRef idx="none"/>
       </a:style>
     </a:txDef>
   </a:objectDefaults>
+  <a:extraClrSchemeLst/>
 </a:theme>
 </file>
 
 <file path=ppt/theme/theme2.xml><?xml version="1.0" encoding="utf-8"?>
-<a:theme xmlns:a="http://schemas.openxmlformats.org/drawingml/2006/main" xmlns:r="http://schemas.openxmlformats.org/officeDocument/2006/relationships" name="White">
+<a:theme xmlns:a="http://schemas.openxmlformats.org/drawingml/2006/main" name="White">
   <a:themeElements>
     <a:clrScheme name="White">
       <a:dk1>
@@ -4321,7 +4401,7 @@
       <a:effectStyleLst>
         <a:effectStyle>
           <a:effectLst>
-            <a:outerShdw sx="100000" sy="100000" kx="0" ky="0" algn="b" rotWithShape="0" blurRad="38100" dist="25400" dir="5400000">
+            <a:outerShdw blurRad="38100" dist="25400" dir="5400000" rotWithShape="0">
               <a:srgbClr val="000000">
                 <a:alpha val="50000"/>
               </a:srgbClr>
@@ -4330,7 +4410,7 @@
         </a:effectStyle>
         <a:effectStyle>
           <a:effectLst>
-            <a:outerShdw sx="100000" sy="100000" kx="0" ky="0" algn="b" rotWithShape="0" blurRad="50800" dist="12700" dir="0">
+            <a:outerShdw blurRad="50800" dist="12700" rotWithShape="0">
               <a:srgbClr val="000000">
                 <a:alpha val="50000"/>
               </a:srgbClr>
@@ -4339,7 +4419,7 @@
         </a:effectStyle>
         <a:effectStyle>
           <a:effectLst>
-            <a:outerShdw sx="100000" sy="100000" kx="0" ky="0" algn="b" rotWithShape="0" blurRad="38100" dist="25400" dir="5400000">
+            <a:outerShdw blurRad="38100" dist="25400" dir="5400000" rotWithShape="0">
               <a:srgbClr val="000000">
                 <a:alpha val="50000"/>
               </a:srgbClr>
@@ -4403,8 +4483,8 @@
     <a:spDef>
       <a:spPr>
         <a:blipFill rotWithShape="1">
-          <a:blip r:embed="rId1"/>
-          <a:srcRect l="0" t="0" r="0" b="0"/>
+          <a:blip xmlns:r="http://schemas.openxmlformats.org/officeDocument/2006/relationships" r:embed="rId1"/>
+          <a:srcRect/>
           <a:tile tx="0" ty="0" sx="100000" sy="100000" flip="none" algn="tl"/>
         </a:blipFill>
         <a:ln w="12700" cap="flat">
@@ -4412,14 +4492,14 @@
           <a:miter lim="400000"/>
         </a:ln>
         <a:effectLst>
-          <a:outerShdw sx="100000" sy="100000" kx="0" ky="0" algn="b" rotWithShape="0" blurRad="38100" dist="25400" dir="5400000">
+          <a:outerShdw blurRad="38100" dist="25400" dir="5400000" rotWithShape="0">
             <a:srgbClr val="000000">
               <a:alpha val="50000"/>
             </a:srgbClr>
           </a:outerShdw>
         </a:effectLst>
       </a:spPr>
-      <a:bodyPr rot="0" spcFirstLastPara="1" vertOverflow="overflow" horzOverflow="overflow" vert="horz" wrap="square" lIns="50800" tIns="50800" rIns="50800" bIns="50800" numCol="1" spcCol="38100" rtlCol="0" anchor="ctr" upright="0">
+      <a:bodyPr rot="0" spcFirstLastPara="1" vertOverflow="overflow" horzOverflow="overflow" vert="horz" wrap="square" lIns="50800" tIns="50800" rIns="50800" bIns="50800" numCol="1" spcCol="38100" rtlCol="0" anchor="ctr">
         <a:spAutoFit/>
       </a:bodyPr>
       <a:lstStyle>
@@ -4438,7 +4518,7 @@
           <a:buFontTx/>
           <a:buNone/>
           <a:tabLst/>
-          <a:defRPr b="0" baseline="0" cap="none" i="0" spc="0" strike="noStrike" sz="2400" u="none" kumimoji="0" normalizeH="0">
+          <a:defRPr kumimoji="0" sz="2400" b="0" i="0" u="none" strike="noStrike" cap="none" spc="0" normalizeH="0" baseline="0">
             <a:ln>
               <a:noFill/>
             </a:ln>
@@ -4468,7 +4548,7 @@
           <a:buFontTx/>
           <a:buNone/>
           <a:tabLst/>
-          <a:defRPr b="0" baseline="0" cap="none" i="0" spc="0" strike="noStrike" sz="1800" u="none" kumimoji="0" normalizeH="0">
+          <a:defRPr kumimoji="0" sz="1800" b="0" i="0" u="none" strike="noStrike" cap="none" spc="0" normalizeH="0" baseline="0">
             <a:ln>
               <a:noFill/>
             </a:ln>
@@ -4494,7 +4574,7 @@
           <a:buFontTx/>
           <a:buNone/>
           <a:tabLst/>
-          <a:defRPr b="0" baseline="0" cap="none" i="0" spc="0" strike="noStrike" sz="1800" u="none" kumimoji="0" normalizeH="0">
+          <a:defRPr kumimoji="0" sz="1800" b="0" i="0" u="none" strike="noStrike" cap="none" spc="0" normalizeH="0" baseline="0">
             <a:ln>
               <a:noFill/>
             </a:ln>
@@ -4520,7 +4600,7 @@
           <a:buFontTx/>
           <a:buNone/>
           <a:tabLst/>
-          <a:defRPr b="0" baseline="0" cap="none" i="0" spc="0" strike="noStrike" sz="1800" u="none" kumimoji="0" normalizeH="0">
+          <a:defRPr kumimoji="0" sz="1800" b="0" i="0" u="none" strike="noStrike" cap="none" spc="0" normalizeH="0" baseline="0">
             <a:ln>
               <a:noFill/>
             </a:ln>
@@ -4546,7 +4626,7 @@
           <a:buFontTx/>
           <a:buNone/>
           <a:tabLst/>
-          <a:defRPr b="0" baseline="0" cap="none" i="0" spc="0" strike="noStrike" sz="1800" u="none" kumimoji="0" normalizeH="0">
+          <a:defRPr kumimoji="0" sz="1800" b="0" i="0" u="none" strike="noStrike" cap="none" spc="0" normalizeH="0" baseline="0">
             <a:ln>
               <a:noFill/>
             </a:ln>
@@ -4572,7 +4652,7 @@
           <a:buFontTx/>
           <a:buNone/>
           <a:tabLst/>
-          <a:defRPr b="0" baseline="0" cap="none" i="0" spc="0" strike="noStrike" sz="1800" u="none" kumimoji="0" normalizeH="0">
+          <a:defRPr kumimoji="0" sz="1800" b="0" i="0" u="none" strike="noStrike" cap="none" spc="0" normalizeH="0" baseline="0">
             <a:ln>
               <a:noFill/>
             </a:ln>
@@ -4598,7 +4678,7 @@
           <a:buFontTx/>
           <a:buNone/>
           <a:tabLst/>
-          <a:defRPr b="0" baseline="0" cap="none" i="0" spc="0" strike="noStrike" sz="1800" u="none" kumimoji="0" normalizeH="0">
+          <a:defRPr kumimoji="0" sz="1800" b="0" i="0" u="none" strike="noStrike" cap="none" spc="0" normalizeH="0" baseline="0">
             <a:ln>
               <a:noFill/>
             </a:ln>
@@ -4624,7 +4704,7 @@
           <a:buFontTx/>
           <a:buNone/>
           <a:tabLst/>
-          <a:defRPr b="0" baseline="0" cap="none" i="0" spc="0" strike="noStrike" sz="1800" u="none" kumimoji="0" normalizeH="0">
+          <a:defRPr kumimoji="0" sz="1800" b="0" i="0" u="none" strike="noStrike" cap="none" spc="0" normalizeH="0" baseline="0">
             <a:ln>
               <a:noFill/>
             </a:ln>
@@ -4650,7 +4730,7 @@
           <a:buFontTx/>
           <a:buNone/>
           <a:tabLst/>
-          <a:defRPr b="0" baseline="0" cap="none" i="0" spc="0" strike="noStrike" sz="1800" u="none" kumimoji="0" normalizeH="0">
+          <a:defRPr kumimoji="0" sz="1800" b="0" i="0" u="none" strike="noStrike" cap="none" spc="0" normalizeH="0" baseline="0">
             <a:ln>
               <a:noFill/>
             </a:ln>
@@ -4676,7 +4756,7 @@
           <a:buFontTx/>
           <a:buNone/>
           <a:tabLst/>
-          <a:defRPr b="0" baseline="0" cap="none" i="0" spc="0" strike="noStrike" sz="1800" u="none" kumimoji="0" normalizeH="0">
+          <a:defRPr kumimoji="0" sz="1800" b="0" i="0" u="none" strike="noStrike" cap="none" spc="0" normalizeH="0" baseline="0">
             <a:ln>
               <a:noFill/>
             </a:ln>
@@ -4689,9 +4769,15 @@
         </a:lvl9pPr>
       </a:lstStyle>
       <a:style>
-        <a:lnRef idx="0"/>
-        <a:fillRef idx="0"/>
-        <a:effectRef idx="0"/>
+        <a:lnRef idx="0">
+          <a:scrgbClr r="0" g="0" b="0"/>
+        </a:lnRef>
+        <a:fillRef idx="0">
+          <a:scrgbClr r="0" g="0" b="0"/>
+        </a:fillRef>
+        <a:effectRef idx="0">
+          <a:scrgbClr r="0" g="0" b="0"/>
+        </a:effectRef>
         <a:fontRef idx="none"/>
       </a:style>
     </a:spDef>
@@ -4707,7 +4793,7 @@
         </a:ln>
         <a:effectLst/>
       </a:spPr>
-      <a:bodyPr rot="0" spcFirstLastPara="1" vertOverflow="overflow" horzOverflow="overflow" vert="horz" wrap="square" lIns="91439" tIns="45719" rIns="91439" bIns="45719" numCol="1" spcCol="38100" rtlCol="0" anchor="t" upright="0">
+      <a:bodyPr rot="0" spcFirstLastPara="1" vertOverflow="overflow" horzOverflow="overflow" vert="horz" wrap="square" lIns="91439" tIns="45719" rIns="91439" bIns="45719" numCol="1" spcCol="38100" rtlCol="0" anchor="t">
         <a:noAutofit/>
       </a:bodyPr>
       <a:lstStyle>
@@ -4726,7 +4812,7 @@
           <a:buFontTx/>
           <a:buNone/>
           <a:tabLst/>
-          <a:defRPr b="0" baseline="0" cap="none" i="0" spc="0" strike="noStrike" sz="1800" u="none" kumimoji="0" normalizeH="0">
+          <a:defRPr kumimoji="0" sz="1800" b="0" i="0" u="none" strike="noStrike" cap="none" spc="0" normalizeH="0" baseline="0">
             <a:ln>
               <a:noFill/>
             </a:ln>
@@ -4752,7 +4838,7 @@
           <a:buFontTx/>
           <a:buNone/>
           <a:tabLst/>
-          <a:defRPr b="0" baseline="0" cap="none" i="0" spc="0" strike="noStrike" sz="1800" u="none" kumimoji="0" normalizeH="0">
+          <a:defRPr kumimoji="0" sz="1800" b="0" i="0" u="none" strike="noStrike" cap="none" spc="0" normalizeH="0" baseline="0">
             <a:ln>
               <a:noFill/>
             </a:ln>
@@ -4778,7 +4864,7 @@
           <a:buFontTx/>
           <a:buNone/>
           <a:tabLst/>
-          <a:defRPr b="0" baseline="0" cap="none" i="0" spc="0" strike="noStrike" sz="1800" u="none" kumimoji="0" normalizeH="0">
+          <a:defRPr kumimoji="0" sz="1800" b="0" i="0" u="none" strike="noStrike" cap="none" spc="0" normalizeH="0" baseline="0">
             <a:ln>
               <a:noFill/>
             </a:ln>
@@ -4804,7 +4890,7 @@
           <a:buFontTx/>
           <a:buNone/>
           <a:tabLst/>
-          <a:defRPr b="0" baseline="0" cap="none" i="0" spc="0" strike="noStrike" sz="1800" u="none" kumimoji="0" normalizeH="0">
+          <a:defRPr kumimoji="0" sz="1800" b="0" i="0" u="none" strike="noStrike" cap="none" spc="0" normalizeH="0" baseline="0">
             <a:ln>
               <a:noFill/>
             </a:ln>
@@ -4830,7 +4916,7 @@
           <a:buFontTx/>
           <a:buNone/>
           <a:tabLst/>
-          <a:defRPr b="0" baseline="0" cap="none" i="0" spc="0" strike="noStrike" sz="1800" u="none" kumimoji="0" normalizeH="0">
+          <a:defRPr kumimoji="0" sz="1800" b="0" i="0" u="none" strike="noStrike" cap="none" spc="0" normalizeH="0" baseline="0">
             <a:ln>
               <a:noFill/>
             </a:ln>
@@ -4856,7 +4942,7 @@
           <a:buFontTx/>
           <a:buNone/>
           <a:tabLst/>
-          <a:defRPr b="0" baseline="0" cap="none" i="0" spc="0" strike="noStrike" sz="1800" u="none" kumimoji="0" normalizeH="0">
+          <a:defRPr kumimoji="0" sz="1800" b="0" i="0" u="none" strike="noStrike" cap="none" spc="0" normalizeH="0" baseline="0">
             <a:ln>
               <a:noFill/>
             </a:ln>
@@ -4882,7 +4968,7 @@
           <a:buFontTx/>
           <a:buNone/>
           <a:tabLst/>
-          <a:defRPr b="0" baseline="0" cap="none" i="0" spc="0" strike="noStrike" sz="1800" u="none" kumimoji="0" normalizeH="0">
+          <a:defRPr kumimoji="0" sz="1800" b="0" i="0" u="none" strike="noStrike" cap="none" spc="0" normalizeH="0" baseline="0">
             <a:ln>
               <a:noFill/>
             </a:ln>
@@ -4908,7 +4994,7 @@
           <a:buFontTx/>
           <a:buNone/>
           <a:tabLst/>
-          <a:defRPr b="0" baseline="0" cap="none" i="0" spc="0" strike="noStrike" sz="1800" u="none" kumimoji="0" normalizeH="0">
+          <a:defRPr kumimoji="0" sz="1800" b="0" i="0" u="none" strike="noStrike" cap="none" spc="0" normalizeH="0" baseline="0">
             <a:ln>
               <a:noFill/>
             </a:ln>
@@ -4934,7 +5020,7 @@
           <a:buFontTx/>
           <a:buNone/>
           <a:tabLst/>
-          <a:defRPr b="0" baseline="0" cap="none" i="0" spc="0" strike="noStrike" sz="1800" u="none" kumimoji="0" normalizeH="0">
+          <a:defRPr kumimoji="0" sz="1800" b="0" i="0" u="none" strike="noStrike" cap="none" spc="0" normalizeH="0" baseline="0">
             <a:ln>
               <a:noFill/>
             </a:ln>
@@ -4960,7 +5046,7 @@
           <a:buFontTx/>
           <a:buNone/>
           <a:tabLst/>
-          <a:defRPr b="0" baseline="0" cap="none" i="0" spc="0" strike="noStrike" sz="1800" u="none" kumimoji="0" normalizeH="0">
+          <a:defRPr kumimoji="0" sz="1800" b="0" i="0" u="none" strike="noStrike" cap="none" spc="0" normalizeH="0" baseline="0">
             <a:ln>
               <a:noFill/>
             </a:ln>
@@ -4973,9 +5059,15 @@
         </a:lvl9pPr>
       </a:lstStyle>
       <a:style>
-        <a:lnRef idx="0"/>
-        <a:fillRef idx="0"/>
-        <a:effectRef idx="0"/>
+        <a:lnRef idx="0">
+          <a:scrgbClr r="0" g="0" b="0"/>
+        </a:lnRef>
+        <a:fillRef idx="0">
+          <a:scrgbClr r="0" g="0" b="0"/>
+        </a:fillRef>
+        <a:effectRef idx="0">
+          <a:scrgbClr r="0" g="0" b="0"/>
+        </a:effectRef>
         <a:fontRef idx="none"/>
       </a:style>
     </a:lnDef>
@@ -4988,7 +5080,7 @@
         </a:ln>
         <a:effectLst/>
       </a:spPr>
-      <a:bodyPr rot="0" spcFirstLastPara="1" vertOverflow="overflow" horzOverflow="overflow" vert="horz" wrap="square" lIns="50800" tIns="50800" rIns="50800" bIns="50800" numCol="1" spcCol="38100" rtlCol="0" anchor="ctr" upright="0">
+      <a:bodyPr rot="0" spcFirstLastPara="1" vertOverflow="overflow" horzOverflow="overflow" vert="horz" wrap="square" lIns="50800" tIns="50800" rIns="50800" bIns="50800" numCol="1" spcCol="38100" rtlCol="0" anchor="ctr">
         <a:spAutoFit/>
       </a:bodyPr>
       <a:lstStyle>
@@ -5007,7 +5099,7 @@
           <a:buFontTx/>
           <a:buNone/>
           <a:tabLst/>
-          <a:defRPr b="0" baseline="0" cap="none" i="0" spc="0" strike="noStrike" sz="3600" u="none" kumimoji="0" normalizeH="0">
+          <a:defRPr kumimoji="0" sz="3600" b="0" i="0" u="none" strike="noStrike" cap="none" spc="0" normalizeH="0" baseline="0">
             <a:ln>
               <a:noFill/>
             </a:ln>
@@ -5037,7 +5129,7 @@
           <a:buFontTx/>
           <a:buNone/>
           <a:tabLst/>
-          <a:defRPr b="0" baseline="0" cap="none" i="0" spc="0" strike="noStrike" sz="1800" u="none" kumimoji="0" normalizeH="0">
+          <a:defRPr kumimoji="0" sz="1800" b="0" i="0" u="none" strike="noStrike" cap="none" spc="0" normalizeH="0" baseline="0">
             <a:ln>
               <a:noFill/>
             </a:ln>
@@ -5063,7 +5155,7 @@
           <a:buFontTx/>
           <a:buNone/>
           <a:tabLst/>
-          <a:defRPr b="0" baseline="0" cap="none" i="0" spc="0" strike="noStrike" sz="1800" u="none" kumimoji="0" normalizeH="0">
+          <a:defRPr kumimoji="0" sz="1800" b="0" i="0" u="none" strike="noStrike" cap="none" spc="0" normalizeH="0" baseline="0">
             <a:ln>
               <a:noFill/>
             </a:ln>
@@ -5089,7 +5181,7 @@
           <a:buFontTx/>
           <a:buNone/>
           <a:tabLst/>
-          <a:defRPr b="0" baseline="0" cap="none" i="0" spc="0" strike="noStrike" sz="1800" u="none" kumimoji="0" normalizeH="0">
+          <a:defRPr kumimoji="0" sz="1800" b="0" i="0" u="none" strike="noStrike" cap="none" spc="0" normalizeH="0" baseline="0">
             <a:ln>
               <a:noFill/>
             </a:ln>
@@ -5115,7 +5207,7 @@
           <a:buFontTx/>
           <a:buNone/>
           <a:tabLst/>
-          <a:defRPr b="0" baseline="0" cap="none" i="0" spc="0" strike="noStrike" sz="1800" u="none" kumimoji="0" normalizeH="0">
+          <a:defRPr kumimoji="0" sz="1800" b="0" i="0" u="none" strike="noStrike" cap="none" spc="0" normalizeH="0" baseline="0">
             <a:ln>
               <a:noFill/>
             </a:ln>
@@ -5141,7 +5233,7 @@
           <a:buFontTx/>
           <a:buNone/>
           <a:tabLst/>
-          <a:defRPr b="0" baseline="0" cap="none" i="0" spc="0" strike="noStrike" sz="1800" u="none" kumimoji="0" normalizeH="0">
+          <a:defRPr kumimoji="0" sz="1800" b="0" i="0" u="none" strike="noStrike" cap="none" spc="0" normalizeH="0" baseline="0">
             <a:ln>
               <a:noFill/>
             </a:ln>
@@ -5167,7 +5259,7 @@
           <a:buFontTx/>
           <a:buNone/>
           <a:tabLst/>
-          <a:defRPr b="0" baseline="0" cap="none" i="0" spc="0" strike="noStrike" sz="1800" u="none" kumimoji="0" normalizeH="0">
+          <a:defRPr kumimoji="0" sz="1800" b="0" i="0" u="none" strike="noStrike" cap="none" spc="0" normalizeH="0" baseline="0">
             <a:ln>
               <a:noFill/>
             </a:ln>
@@ -5193,7 +5285,7 @@
           <a:buFontTx/>
           <a:buNone/>
           <a:tabLst/>
-          <a:defRPr b="0" baseline="0" cap="none" i="0" spc="0" strike="noStrike" sz="1800" u="none" kumimoji="0" normalizeH="0">
+          <a:defRPr kumimoji="0" sz="1800" b="0" i="0" u="none" strike="noStrike" cap="none" spc="0" normalizeH="0" baseline="0">
             <a:ln>
               <a:noFill/>
             </a:ln>
@@ -5219,7 +5311,7 @@
           <a:buFontTx/>
           <a:buNone/>
           <a:tabLst/>
-          <a:defRPr b="0" baseline="0" cap="none" i="0" spc="0" strike="noStrike" sz="1800" u="none" kumimoji="0" normalizeH="0">
+          <a:defRPr kumimoji="0" sz="1800" b="0" i="0" u="none" strike="noStrike" cap="none" spc="0" normalizeH="0" baseline="0">
             <a:ln>
               <a:noFill/>
             </a:ln>
@@ -5245,7 +5337,7 @@
           <a:buFontTx/>
           <a:buNone/>
           <a:tabLst/>
-          <a:defRPr b="0" baseline="0" cap="none" i="0" spc="0" strike="noStrike" sz="1800" u="none" kumimoji="0" normalizeH="0">
+          <a:defRPr kumimoji="0" sz="1800" b="0" i="0" u="none" strike="noStrike" cap="none" spc="0" normalizeH="0" baseline="0">
             <a:ln>
               <a:noFill/>
             </a:ln>
@@ -5258,12 +5350,19 @@
         </a:lvl9pPr>
       </a:lstStyle>
       <a:style>
-        <a:lnRef idx="0"/>
-        <a:fillRef idx="0"/>
-        <a:effectRef idx="0"/>
+        <a:lnRef idx="0">
+          <a:scrgbClr r="0" g="0" b="0"/>
+        </a:lnRef>
+        <a:fillRef idx="0">
+          <a:scrgbClr r="0" g="0" b="0"/>
+        </a:fillRef>
+        <a:effectRef idx="0">
+          <a:scrgbClr r="0" g="0" b="0"/>
+        </a:effectRef>
         <a:fontRef idx="none"/>
       </a:style>
     </a:txDef>
   </a:objectDefaults>
+  <a:extraClrSchemeLst/>
 </a:theme>
 </file>